--- a/KafkaAkkaDemo.pptx
+++ b/KafkaAkkaDemo.pptx
@@ -130,6 +130,22 @@
       </a:defRPr>
     </a:lvl9pPr>
   </p:defaultTextStyle>
+  <p:extLst>
+    <p:ext uri="{EFAFB233-063F-42B5-8137-9DF3F51BA10A}">
+      <p15:sldGuideLst xmlns:p15="http://schemas.microsoft.com/office/powerpoint/2012/main">
+        <p15:guide id="1" orient="horz" pos="2160">
+          <p15:clr>
+            <a:srgbClr val="A4A3A4"/>
+          </p15:clr>
+        </p15:guide>
+        <p15:guide id="2" pos="2880">
+          <p15:clr>
+            <a:srgbClr val="A4A3A4"/>
+          </p15:clr>
+        </p15:guide>
+      </p15:sldGuideLst>
+    </p:ext>
+  </p:extLst>
 </p:presentation>
 </file>
 
@@ -314,7 +330,7 @@
           <a:p>
             <a:fld id="{CB04992C-B8F8-3147-B172-7D57F81F30D2}" type="datetimeFigureOut">
               <a:rPr lang="fr-FR" smtClean="0"/>
-              <a:t>07/07/18</a:t>
+              <a:t>09/07/2018</a:t>
             </a:fld>
             <a:endParaRPr lang="fr-FR"/>
           </a:p>
@@ -356,7 +372,7 @@
           <a:p>
             <a:fld id="{29AEA6E5-3BF3-5540-B617-35F5C12AFABF}" type="slidenum">
               <a:rPr lang="fr-FR" smtClean="0"/>
-              <a:t>‹#›</a:t>
+              <a:t>‹N°›</a:t>
             </a:fld>
             <a:endParaRPr lang="fr-FR"/>
           </a:p>
@@ -484,7 +500,7 @@
           <a:p>
             <a:fld id="{CB04992C-B8F8-3147-B172-7D57F81F30D2}" type="datetimeFigureOut">
               <a:rPr lang="fr-FR" smtClean="0"/>
-              <a:t>07/07/18</a:t>
+              <a:t>09/07/2018</a:t>
             </a:fld>
             <a:endParaRPr lang="fr-FR"/>
           </a:p>
@@ -526,7 +542,7 @@
           <a:p>
             <a:fld id="{29AEA6E5-3BF3-5540-B617-35F5C12AFABF}" type="slidenum">
               <a:rPr lang="fr-FR" smtClean="0"/>
-              <a:t>‹#›</a:t>
+              <a:t>‹N°›</a:t>
             </a:fld>
             <a:endParaRPr lang="fr-FR"/>
           </a:p>
@@ -664,7 +680,7 @@
           <a:p>
             <a:fld id="{CB04992C-B8F8-3147-B172-7D57F81F30D2}" type="datetimeFigureOut">
               <a:rPr lang="fr-FR" smtClean="0"/>
-              <a:t>07/07/18</a:t>
+              <a:t>09/07/2018</a:t>
             </a:fld>
             <a:endParaRPr lang="fr-FR"/>
           </a:p>
@@ -706,7 +722,7 @@
           <a:p>
             <a:fld id="{29AEA6E5-3BF3-5540-B617-35F5C12AFABF}" type="slidenum">
               <a:rPr lang="fr-FR" smtClean="0"/>
-              <a:t>‹#›</a:t>
+              <a:t>‹N°›</a:t>
             </a:fld>
             <a:endParaRPr lang="fr-FR"/>
           </a:p>
@@ -834,7 +850,7 @@
           <a:p>
             <a:fld id="{CB04992C-B8F8-3147-B172-7D57F81F30D2}" type="datetimeFigureOut">
               <a:rPr lang="fr-FR" smtClean="0"/>
-              <a:t>07/07/18</a:t>
+              <a:t>09/07/2018</a:t>
             </a:fld>
             <a:endParaRPr lang="fr-FR"/>
           </a:p>
@@ -876,7 +892,7 @@
           <a:p>
             <a:fld id="{29AEA6E5-3BF3-5540-B617-35F5C12AFABF}" type="slidenum">
               <a:rPr lang="fr-FR" smtClean="0"/>
-              <a:t>‹#›</a:t>
+              <a:t>‹N°›</a:t>
             </a:fld>
             <a:endParaRPr lang="fr-FR"/>
           </a:p>
@@ -1080,7 +1096,7 @@
           <a:p>
             <a:fld id="{CB04992C-B8F8-3147-B172-7D57F81F30D2}" type="datetimeFigureOut">
               <a:rPr lang="fr-FR" smtClean="0"/>
-              <a:t>07/07/18</a:t>
+              <a:t>09/07/2018</a:t>
             </a:fld>
             <a:endParaRPr lang="fr-FR"/>
           </a:p>
@@ -1122,7 +1138,7 @@
           <a:p>
             <a:fld id="{29AEA6E5-3BF3-5540-B617-35F5C12AFABF}" type="slidenum">
               <a:rPr lang="fr-FR" smtClean="0"/>
-              <a:t>‹#›</a:t>
+              <a:t>‹N°›</a:t>
             </a:fld>
             <a:endParaRPr lang="fr-FR"/>
           </a:p>
@@ -1368,7 +1384,7 @@
           <a:p>
             <a:fld id="{CB04992C-B8F8-3147-B172-7D57F81F30D2}" type="datetimeFigureOut">
               <a:rPr lang="fr-FR" smtClean="0"/>
-              <a:t>07/07/18</a:t>
+              <a:t>09/07/2018</a:t>
             </a:fld>
             <a:endParaRPr lang="fr-FR"/>
           </a:p>
@@ -1410,7 +1426,7 @@
           <a:p>
             <a:fld id="{29AEA6E5-3BF3-5540-B617-35F5C12AFABF}" type="slidenum">
               <a:rPr lang="fr-FR" smtClean="0"/>
-              <a:t>‹#›</a:t>
+              <a:t>‹N°›</a:t>
             </a:fld>
             <a:endParaRPr lang="fr-FR"/>
           </a:p>
@@ -1790,7 +1806,7 @@
           <a:p>
             <a:fld id="{CB04992C-B8F8-3147-B172-7D57F81F30D2}" type="datetimeFigureOut">
               <a:rPr lang="fr-FR" smtClean="0"/>
-              <a:t>07/07/18</a:t>
+              <a:t>09/07/2018</a:t>
             </a:fld>
             <a:endParaRPr lang="fr-FR"/>
           </a:p>
@@ -1832,7 +1848,7 @@
           <a:p>
             <a:fld id="{29AEA6E5-3BF3-5540-B617-35F5C12AFABF}" type="slidenum">
               <a:rPr lang="fr-FR" smtClean="0"/>
-              <a:t>‹#›</a:t>
+              <a:t>‹N°›</a:t>
             </a:fld>
             <a:endParaRPr lang="fr-FR"/>
           </a:p>
@@ -1908,7 +1924,7 @@
           <a:p>
             <a:fld id="{CB04992C-B8F8-3147-B172-7D57F81F30D2}" type="datetimeFigureOut">
               <a:rPr lang="fr-FR" smtClean="0"/>
-              <a:t>07/07/18</a:t>
+              <a:t>09/07/2018</a:t>
             </a:fld>
             <a:endParaRPr lang="fr-FR"/>
           </a:p>
@@ -1950,7 +1966,7 @@
           <a:p>
             <a:fld id="{29AEA6E5-3BF3-5540-B617-35F5C12AFABF}" type="slidenum">
               <a:rPr lang="fr-FR" smtClean="0"/>
-              <a:t>‹#›</a:t>
+              <a:t>‹N°›</a:t>
             </a:fld>
             <a:endParaRPr lang="fr-FR"/>
           </a:p>
@@ -2003,7 +2019,7 @@
           <a:p>
             <a:fld id="{CB04992C-B8F8-3147-B172-7D57F81F30D2}" type="datetimeFigureOut">
               <a:rPr lang="fr-FR" smtClean="0"/>
-              <a:t>07/07/18</a:t>
+              <a:t>09/07/2018</a:t>
             </a:fld>
             <a:endParaRPr lang="fr-FR"/>
           </a:p>
@@ -2045,7 +2061,7 @@
           <a:p>
             <a:fld id="{29AEA6E5-3BF3-5540-B617-35F5C12AFABF}" type="slidenum">
               <a:rPr lang="fr-FR" smtClean="0"/>
-              <a:t>‹#›</a:t>
+              <a:t>‹N°›</a:t>
             </a:fld>
             <a:endParaRPr lang="fr-FR"/>
           </a:p>
@@ -2280,7 +2296,7 @@
           <a:p>
             <a:fld id="{CB04992C-B8F8-3147-B172-7D57F81F30D2}" type="datetimeFigureOut">
               <a:rPr lang="fr-FR" smtClean="0"/>
-              <a:t>07/07/18</a:t>
+              <a:t>09/07/2018</a:t>
             </a:fld>
             <a:endParaRPr lang="fr-FR"/>
           </a:p>
@@ -2322,7 +2338,7 @@
           <a:p>
             <a:fld id="{29AEA6E5-3BF3-5540-B617-35F5C12AFABF}" type="slidenum">
               <a:rPr lang="fr-FR" smtClean="0"/>
-              <a:t>‹#›</a:t>
+              <a:t>‹N°›</a:t>
             </a:fld>
             <a:endParaRPr lang="fr-FR"/>
           </a:p>
@@ -2533,7 +2549,7 @@
           <a:p>
             <a:fld id="{CB04992C-B8F8-3147-B172-7D57F81F30D2}" type="datetimeFigureOut">
               <a:rPr lang="fr-FR" smtClean="0"/>
-              <a:t>07/07/18</a:t>
+              <a:t>09/07/2018</a:t>
             </a:fld>
             <a:endParaRPr lang="fr-FR"/>
           </a:p>
@@ -2575,7 +2591,7 @@
           <a:p>
             <a:fld id="{29AEA6E5-3BF3-5540-B617-35F5C12AFABF}" type="slidenum">
               <a:rPr lang="fr-FR" smtClean="0"/>
-              <a:t>‹#›</a:t>
+              <a:t>‹N°›</a:t>
             </a:fld>
             <a:endParaRPr lang="fr-FR"/>
           </a:p>
@@ -2746,7 +2762,7 @@
           <a:p>
             <a:fld id="{CB04992C-B8F8-3147-B172-7D57F81F30D2}" type="datetimeFigureOut">
               <a:rPr lang="fr-FR" smtClean="0"/>
-              <a:t>07/07/18</a:t>
+              <a:t>09/07/2018</a:t>
             </a:fld>
             <a:endParaRPr lang="fr-FR"/>
           </a:p>
@@ -2824,7 +2840,7 @@
           <a:p>
             <a:fld id="{29AEA6E5-3BF3-5540-B617-35F5C12AFABF}" type="slidenum">
               <a:rPr lang="fr-FR" smtClean="0"/>
-              <a:t>‹#›</a:t>
+              <a:t>‹N°›</a:t>
             </a:fld>
             <a:endParaRPr lang="fr-FR"/>
           </a:p>
@@ -3131,32 +3147,39 @@
             <p:ph type="ctrTitle"/>
           </p:nvPr>
         </p:nvSpPr>
+        <p:spPr>
+          <a:xfrm>
+            <a:off x="685800" y="2431453"/>
+            <a:ext cx="7772400" cy="1470025"/>
+          </a:xfrm>
+        </p:spPr>
+        <p:txBody>
+          <a:bodyPr/>
+          <a:lstStyle/>
+          <a:p>
+            <a:r>
+              <a:rPr lang="en-US" dirty="0" smtClean="0"/>
+              <a:t>Stream the flow</a:t>
+            </a:r>
+            <a:endParaRPr lang="en-US" dirty="0"/>
+          </a:p>
+        </p:txBody>
+      </p:sp>
+      <p:sp>
+        <p:nvSpPr>
+          <p:cNvPr id="3" name="Sous-titre 2"/>
+          <p:cNvSpPr>
+            <a:spLocks noGrp="1"/>
+          </p:cNvSpPr>
+          <p:nvPr>
+            <p:ph type="subTitle" idx="1"/>
+          </p:nvPr>
+        </p:nvSpPr>
         <p:spPr/>
         <p:txBody>
-          <a:bodyPr/>
-          <a:lstStyle/>
-          <a:p>
-            <a:r>
-              <a:rPr lang="en-US" smtClean="0"/>
-              <a:t>Stream the flow</a:t>
-            </a:r>
-            <a:endParaRPr lang="en-US"/>
-          </a:p>
-        </p:txBody>
-      </p:sp>
-      <p:sp>
-        <p:nvSpPr>
-          <p:cNvPr id="3" name="Sous-titre 2"/>
-          <p:cNvSpPr>
-            <a:spLocks noGrp="1"/>
-          </p:cNvSpPr>
-          <p:nvPr>
-            <p:ph type="subTitle" idx="1"/>
-          </p:nvPr>
-        </p:nvSpPr>
-        <p:spPr/>
-        <p:txBody>
-          <a:bodyPr/>
+          <a:bodyPr>
+            <a:normAutofit fontScale="92500" lnSpcReduction="10000"/>
+          </a:bodyPr>
           <a:lstStyle/>
           <a:p>
             <a:r>
@@ -3169,9 +3192,114 @@
             </a:r>
             <a:r>
               <a:rPr lang="en-US" dirty="0" smtClean="0"/>
-              <a:t> and Spark</a:t>
-            </a:r>
-            <a:endParaRPr lang="en-US" dirty="0"/>
+              <a:t> and </a:t>
+            </a:r>
+            <a:r>
+              <a:rPr lang="en-US" dirty="0" smtClean="0"/>
+              <a:t>Spark</a:t>
+            </a:r>
+          </a:p>
+          <a:p>
+            <a:endParaRPr lang="en-US" dirty="0" smtClean="0"/>
+          </a:p>
+          <a:p>
+            <a:r>
+              <a:rPr lang="en-US" sz="2000" dirty="0" err="1" smtClean="0"/>
+              <a:t>Sébastien</a:t>
+            </a:r>
+            <a:r>
+              <a:rPr lang="en-US" sz="2000" dirty="0" smtClean="0"/>
+              <a:t> DIAZ , CEO Buisson Diaz </a:t>
+            </a:r>
+            <a:r>
+              <a:rPr lang="en-US" sz="2000" dirty="0" err="1" smtClean="0"/>
+              <a:t>Conseil</a:t>
+            </a:r>
+            <a:endParaRPr lang="en-US" sz="2000" dirty="0"/>
+          </a:p>
+        </p:txBody>
+      </p:sp>
+      <p:pic>
+        <p:nvPicPr>
+          <p:cNvPr id="5" name="Image 4"/>
+          <p:cNvPicPr>
+            <a:picLocks noChangeAspect="1"/>
+          </p:cNvPicPr>
+          <p:nvPr/>
+        </p:nvPicPr>
+        <p:blipFill>
+          <a:blip r:embed="rId2">
+            <a:extLst>
+              <a:ext uri="{28A0092B-C50C-407E-A947-70E740481C1C}">
+                <a14:useLocalDpi xmlns:a14="http://schemas.microsoft.com/office/drawing/2010/main" val="0"/>
+              </a:ext>
+            </a:extLst>
+          </a:blip>
+          <a:stretch>
+            <a:fillRect/>
+          </a:stretch>
+        </p:blipFill>
+        <p:spPr>
+          <a:xfrm>
+            <a:off x="3327903" y="-66675"/>
+            <a:ext cx="2728394" cy="2728394"/>
+          </a:xfrm>
+          <a:prstGeom prst="rect">
+            <a:avLst/>
+          </a:prstGeom>
+        </p:spPr>
+      </p:pic>
+      <p:sp>
+        <p:nvSpPr>
+          <p:cNvPr id="6" name="ZoneTexte 5"/>
+          <p:cNvSpPr txBox="1"/>
+          <p:nvPr/>
+        </p:nvSpPr>
+        <p:spPr>
+          <a:xfrm>
+            <a:off x="6274052" y="6543795"/>
+            <a:ext cx="4843604" cy="369332"/>
+          </a:xfrm>
+          <a:prstGeom prst="rect">
+            <a:avLst/>
+          </a:prstGeom>
+          <a:noFill/>
+        </p:spPr>
+        <p:txBody>
+          <a:bodyPr wrap="square" rtlCol="0">
+            <a:spAutoFit/>
+          </a:bodyPr>
+          <a:lstStyle/>
+          <a:p>
+            <a:r>
+              <a:rPr lang="fr-FR" dirty="0" smtClean="0">
+                <a:ln w="0"/>
+                <a:solidFill>
+                  <a:schemeClr val="accent1"/>
+                </a:solidFill>
+                <a:effectLst>
+                  <a:outerShdw blurRad="38100" dist="25400" dir="5400000" algn="ctr" rotWithShape="0">
+                    <a:srgbClr val="6E747A">
+                      <a:alpha val="43000"/>
+                    </a:srgbClr>
+                  </a:outerShdw>
+                </a:effectLst>
+              </a:rPr>
+              <a:t>http://www.buissondiaz.com</a:t>
+            </a:r>
+            <a:endParaRPr lang="fr-FR" dirty="0">
+              <a:ln w="0"/>
+              <a:solidFill>
+                <a:schemeClr val="accent1"/>
+              </a:solidFill>
+              <a:effectLst>
+                <a:outerShdw blurRad="38100" dist="25400" dir="5400000" algn="ctr" rotWithShape="0">
+                  <a:srgbClr val="6E747A">
+                    <a:alpha val="43000"/>
+                  </a:srgbClr>
+                </a:outerShdw>
+              </a:effectLst>
+            </a:endParaRPr>
           </a:p>
         </p:txBody>
       </p:sp>
@@ -3188,7 +3316,7 @@
   <p:timing>
     <p:tnLst>
       <p:par>
-        <p:cTn xmlns:p14="http://schemas.microsoft.com/office/powerpoint/2010/main" id="1" dur="indefinite" restart="never" nodeType="tmRoot"/>
+        <p:cTn id="1" dur="indefinite" restart="never" nodeType="tmRoot"/>
       </p:par>
     </p:tnLst>
   </p:timing>
@@ -3323,6 +3451,59 @@
           </a:p>
         </p:txBody>
       </p:sp>
+      <p:sp>
+        <p:nvSpPr>
+          <p:cNvPr id="4" name="Rectangle 3"/>
+          <p:cNvSpPr/>
+          <p:nvPr/>
+        </p:nvSpPr>
+        <p:spPr>
+          <a:xfrm>
+            <a:off x="6228843" y="6488668"/>
+            <a:ext cx="2915157" cy="369332"/>
+          </a:xfrm>
+          <a:prstGeom prst="rect">
+            <a:avLst/>
+          </a:prstGeom>
+        </p:spPr>
+        <p:txBody>
+          <a:bodyPr wrap="none">
+            <a:spAutoFit/>
+          </a:bodyPr>
+          <a:lstStyle/>
+          <a:p>
+            <a:r>
+              <a:rPr lang="fr-FR" dirty="0">
+                <a:ln w="0"/>
+                <a:solidFill>
+                  <a:schemeClr val="accent1"/>
+                </a:solidFill>
+                <a:effectLst>
+                  <a:outerShdw blurRad="38100" dist="25400" dir="5400000" algn="ctr" rotWithShape="0">
+                    <a:srgbClr val="6E747A">
+                      <a:alpha val="43000"/>
+                    </a:srgbClr>
+                  </a:outerShdw>
+                </a:effectLst>
+              </a:rPr>
+              <a:t>http://www.buissondiaz.com</a:t>
+            </a:r>
+            <a:endParaRPr lang="fr-FR" dirty="0">
+              <a:ln w="0"/>
+              <a:solidFill>
+                <a:schemeClr val="accent1"/>
+              </a:solidFill>
+              <a:effectLst>
+                <a:outerShdw blurRad="38100" dist="25400" dir="5400000" algn="ctr" rotWithShape="0">
+                  <a:srgbClr val="6E747A">
+                    <a:alpha val="43000"/>
+                  </a:srgbClr>
+                </a:outerShdw>
+              </a:effectLst>
+            </a:endParaRPr>
+          </a:p>
+        </p:txBody>
+      </p:sp>
     </p:spTree>
     <p:extLst>
       <p:ext uri="{BB962C8B-B14F-4D97-AF65-F5344CB8AC3E}">
@@ -3336,7 +3517,7 @@
   <p:timing>
     <p:tnLst>
       <p:par>
-        <p:cTn xmlns:p14="http://schemas.microsoft.com/office/powerpoint/2010/main" id="1" dur="indefinite" restart="never" nodeType="tmRoot"/>
+        <p:cTn id="1" dur="indefinite" restart="never" nodeType="tmRoot"/>
       </p:par>
     </p:tnLst>
   </p:timing>
@@ -3552,6 +3733,59 @@
           </a:p>
         </p:txBody>
       </p:sp>
+      <p:sp>
+        <p:nvSpPr>
+          <p:cNvPr id="6" name="Rectangle 5"/>
+          <p:cNvSpPr/>
+          <p:nvPr/>
+        </p:nvSpPr>
+        <p:spPr>
+          <a:xfrm>
+            <a:off x="6228843" y="6488668"/>
+            <a:ext cx="2915157" cy="369332"/>
+          </a:xfrm>
+          <a:prstGeom prst="rect">
+            <a:avLst/>
+          </a:prstGeom>
+        </p:spPr>
+        <p:txBody>
+          <a:bodyPr wrap="none">
+            <a:spAutoFit/>
+          </a:bodyPr>
+          <a:lstStyle/>
+          <a:p>
+            <a:r>
+              <a:rPr lang="fr-FR" dirty="0">
+                <a:ln w="0"/>
+                <a:solidFill>
+                  <a:schemeClr val="accent1"/>
+                </a:solidFill>
+                <a:effectLst>
+                  <a:outerShdw blurRad="38100" dist="25400" dir="5400000" algn="ctr" rotWithShape="0">
+                    <a:srgbClr val="6E747A">
+                      <a:alpha val="43000"/>
+                    </a:srgbClr>
+                  </a:outerShdw>
+                </a:effectLst>
+              </a:rPr>
+              <a:t>http://www.buissondiaz.com</a:t>
+            </a:r>
+            <a:endParaRPr lang="fr-FR" dirty="0">
+              <a:ln w="0"/>
+              <a:solidFill>
+                <a:schemeClr val="accent1"/>
+              </a:solidFill>
+              <a:effectLst>
+                <a:outerShdw blurRad="38100" dist="25400" dir="5400000" algn="ctr" rotWithShape="0">
+                  <a:srgbClr val="6E747A">
+                    <a:alpha val="43000"/>
+                  </a:srgbClr>
+                </a:outerShdw>
+              </a:effectLst>
+            </a:endParaRPr>
+          </a:p>
+        </p:txBody>
+      </p:sp>
     </p:spTree>
     <p:extLst>
       <p:ext uri="{BB962C8B-B14F-4D97-AF65-F5344CB8AC3E}">
@@ -3565,7 +3799,7 @@
   <p:timing>
     <p:tnLst>
       <p:par>
-        <p:cTn xmlns:p14="http://schemas.microsoft.com/office/powerpoint/2010/main" id="1" dur="indefinite" restart="never" nodeType="tmRoot"/>
+        <p:cTn id="1" dur="indefinite" restart="never" nodeType="tmRoot"/>
       </p:par>
     </p:tnLst>
   </p:timing>
@@ -3646,6 +3880,59 @@
           </a:prstGeom>
         </p:spPr>
       </p:pic>
+      <p:sp>
+        <p:nvSpPr>
+          <p:cNvPr id="2" name="Rectangle 1"/>
+          <p:cNvSpPr/>
+          <p:nvPr/>
+        </p:nvSpPr>
+        <p:spPr>
+          <a:xfrm>
+            <a:off x="6228843" y="6471894"/>
+            <a:ext cx="2915157" cy="369332"/>
+          </a:xfrm>
+          <a:prstGeom prst="rect">
+            <a:avLst/>
+          </a:prstGeom>
+        </p:spPr>
+        <p:txBody>
+          <a:bodyPr wrap="none">
+            <a:spAutoFit/>
+          </a:bodyPr>
+          <a:lstStyle/>
+          <a:p>
+            <a:r>
+              <a:rPr lang="fr-FR" dirty="0">
+                <a:ln w="0"/>
+                <a:solidFill>
+                  <a:schemeClr val="accent1"/>
+                </a:solidFill>
+                <a:effectLst>
+                  <a:outerShdw blurRad="38100" dist="25400" dir="5400000" algn="ctr" rotWithShape="0">
+                    <a:srgbClr val="6E747A">
+                      <a:alpha val="43000"/>
+                    </a:srgbClr>
+                  </a:outerShdw>
+                </a:effectLst>
+              </a:rPr>
+              <a:t>http://www.buissondiaz.com</a:t>
+            </a:r>
+            <a:endParaRPr lang="fr-FR" dirty="0">
+              <a:ln w="0"/>
+              <a:solidFill>
+                <a:schemeClr val="accent1"/>
+              </a:solidFill>
+              <a:effectLst>
+                <a:outerShdw blurRad="38100" dist="25400" dir="5400000" algn="ctr" rotWithShape="0">
+                  <a:srgbClr val="6E747A">
+                    <a:alpha val="43000"/>
+                  </a:srgbClr>
+                </a:outerShdw>
+              </a:effectLst>
+            </a:endParaRPr>
+          </a:p>
+        </p:txBody>
+      </p:sp>
     </p:spTree>
     <p:extLst>
       <p:ext uri="{BB962C8B-B14F-4D97-AF65-F5344CB8AC3E}">
@@ -3659,7 +3946,7 @@
   <p:timing>
     <p:tnLst>
       <p:par>
-        <p:cTn xmlns:p14="http://schemas.microsoft.com/office/powerpoint/2010/main" id="1" dur="indefinite" restart="never" nodeType="tmRoot"/>
+        <p:cTn id="1" dur="indefinite" restart="never" nodeType="tmRoot"/>
       </p:par>
     </p:tnLst>
   </p:timing>
@@ -3810,6 +4097,59 @@
           </a:prstGeom>
         </p:spPr>
       </p:pic>
+      <p:sp>
+        <p:nvSpPr>
+          <p:cNvPr id="3" name="Rectangle 2"/>
+          <p:cNvSpPr/>
+          <p:nvPr/>
+        </p:nvSpPr>
+        <p:spPr>
+          <a:xfrm>
+            <a:off x="6116045" y="6422101"/>
+            <a:ext cx="2915157" cy="369332"/>
+          </a:xfrm>
+          <a:prstGeom prst="rect">
+            <a:avLst/>
+          </a:prstGeom>
+        </p:spPr>
+        <p:txBody>
+          <a:bodyPr wrap="none">
+            <a:spAutoFit/>
+          </a:bodyPr>
+          <a:lstStyle/>
+          <a:p>
+            <a:r>
+              <a:rPr lang="fr-FR" dirty="0">
+                <a:ln w="0"/>
+                <a:solidFill>
+                  <a:schemeClr val="accent1"/>
+                </a:solidFill>
+                <a:effectLst>
+                  <a:outerShdw blurRad="38100" dist="25400" dir="5400000" algn="ctr" rotWithShape="0">
+                    <a:srgbClr val="6E747A">
+                      <a:alpha val="43000"/>
+                    </a:srgbClr>
+                  </a:outerShdw>
+                </a:effectLst>
+              </a:rPr>
+              <a:t>http://www.buissondiaz.com</a:t>
+            </a:r>
+            <a:endParaRPr lang="fr-FR" dirty="0">
+              <a:ln w="0"/>
+              <a:solidFill>
+                <a:schemeClr val="accent1"/>
+              </a:solidFill>
+              <a:effectLst>
+                <a:outerShdw blurRad="38100" dist="25400" dir="5400000" algn="ctr" rotWithShape="0">
+                  <a:srgbClr val="6E747A">
+                    <a:alpha val="43000"/>
+                  </a:srgbClr>
+                </a:outerShdw>
+              </a:effectLst>
+            </a:endParaRPr>
+          </a:p>
+        </p:txBody>
+      </p:sp>
     </p:spTree>
     <p:extLst>
       <p:ext uri="{BB962C8B-B14F-4D97-AF65-F5344CB8AC3E}">
@@ -3823,7 +4163,7 @@
   <p:timing>
     <p:tnLst>
       <p:par>
-        <p:cTn xmlns:p14="http://schemas.microsoft.com/office/powerpoint/2010/main" id="1" dur="indefinite" restart="never" nodeType="tmRoot"/>
+        <p:cTn id="1" dur="indefinite" restart="never" nodeType="tmRoot"/>
       </p:par>
     </p:tnLst>
   </p:timing>
@@ -3904,6 +4244,59 @@
           </a:prstGeom>
         </p:spPr>
       </p:pic>
+      <p:sp>
+        <p:nvSpPr>
+          <p:cNvPr id="3" name="Rectangle 2"/>
+          <p:cNvSpPr/>
+          <p:nvPr/>
+        </p:nvSpPr>
+        <p:spPr>
+          <a:xfrm>
+            <a:off x="6228843" y="6413047"/>
+            <a:ext cx="2915157" cy="369332"/>
+          </a:xfrm>
+          <a:prstGeom prst="rect">
+            <a:avLst/>
+          </a:prstGeom>
+        </p:spPr>
+        <p:txBody>
+          <a:bodyPr wrap="none">
+            <a:spAutoFit/>
+          </a:bodyPr>
+          <a:lstStyle/>
+          <a:p>
+            <a:r>
+              <a:rPr lang="fr-FR" dirty="0">
+                <a:ln w="0"/>
+                <a:solidFill>
+                  <a:schemeClr val="accent1"/>
+                </a:solidFill>
+                <a:effectLst>
+                  <a:outerShdw blurRad="38100" dist="25400" dir="5400000" algn="ctr" rotWithShape="0">
+                    <a:srgbClr val="6E747A">
+                      <a:alpha val="43000"/>
+                    </a:srgbClr>
+                  </a:outerShdw>
+                </a:effectLst>
+              </a:rPr>
+              <a:t>http://www.buissondiaz.com</a:t>
+            </a:r>
+            <a:endParaRPr lang="fr-FR" dirty="0">
+              <a:ln w="0"/>
+              <a:solidFill>
+                <a:schemeClr val="accent1"/>
+              </a:solidFill>
+              <a:effectLst>
+                <a:outerShdw blurRad="38100" dist="25400" dir="5400000" algn="ctr" rotWithShape="0">
+                  <a:srgbClr val="6E747A">
+                    <a:alpha val="43000"/>
+                  </a:srgbClr>
+                </a:outerShdw>
+              </a:effectLst>
+            </a:endParaRPr>
+          </a:p>
+        </p:txBody>
+      </p:sp>
     </p:spTree>
     <p:extLst>
       <p:ext uri="{BB962C8B-B14F-4D97-AF65-F5344CB8AC3E}">
@@ -3917,7 +4310,7 @@
   <p:timing>
     <p:tnLst>
       <p:par>
-        <p:cTn xmlns:p14="http://schemas.microsoft.com/office/powerpoint/2010/main" id="1" dur="indefinite" restart="never" nodeType="tmRoot"/>
+        <p:cTn id="1" dur="indefinite" restart="never" nodeType="tmRoot"/>
       </p:par>
     </p:tnLst>
   </p:timing>
@@ -4006,6 +4399,59 @@
           </a:prstGeom>
         </p:spPr>
       </p:pic>
+      <p:sp>
+        <p:nvSpPr>
+          <p:cNvPr id="4" name="Rectangle 3"/>
+          <p:cNvSpPr/>
+          <p:nvPr/>
+        </p:nvSpPr>
+        <p:spPr>
+          <a:xfrm>
+            <a:off x="6228843" y="6403993"/>
+            <a:ext cx="2915157" cy="369332"/>
+          </a:xfrm>
+          <a:prstGeom prst="rect">
+            <a:avLst/>
+          </a:prstGeom>
+        </p:spPr>
+        <p:txBody>
+          <a:bodyPr wrap="none">
+            <a:spAutoFit/>
+          </a:bodyPr>
+          <a:lstStyle/>
+          <a:p>
+            <a:r>
+              <a:rPr lang="fr-FR" dirty="0">
+                <a:ln w="0"/>
+                <a:solidFill>
+                  <a:schemeClr val="accent1"/>
+                </a:solidFill>
+                <a:effectLst>
+                  <a:outerShdw blurRad="38100" dist="25400" dir="5400000" algn="ctr" rotWithShape="0">
+                    <a:srgbClr val="6E747A">
+                      <a:alpha val="43000"/>
+                    </a:srgbClr>
+                  </a:outerShdw>
+                </a:effectLst>
+              </a:rPr>
+              <a:t>http://www.buissondiaz.com</a:t>
+            </a:r>
+            <a:endParaRPr lang="fr-FR" dirty="0">
+              <a:ln w="0"/>
+              <a:solidFill>
+                <a:schemeClr val="accent1"/>
+              </a:solidFill>
+              <a:effectLst>
+                <a:outerShdw blurRad="38100" dist="25400" dir="5400000" algn="ctr" rotWithShape="0">
+                  <a:srgbClr val="6E747A">
+                    <a:alpha val="43000"/>
+                  </a:srgbClr>
+                </a:outerShdw>
+              </a:effectLst>
+            </a:endParaRPr>
+          </a:p>
+        </p:txBody>
+      </p:sp>
     </p:spTree>
     <p:extLst>
       <p:ext uri="{BB962C8B-B14F-4D97-AF65-F5344CB8AC3E}">
@@ -4019,7 +4465,7 @@
   <p:timing>
     <p:tnLst>
       <p:par>
-        <p:cTn xmlns:p14="http://schemas.microsoft.com/office/powerpoint/2010/main" id="1" dur="indefinite" restart="never" nodeType="tmRoot"/>
+        <p:cTn id="1" dur="indefinite" restart="never" nodeType="tmRoot"/>
       </p:par>
     </p:tnLst>
   </p:timing>
@@ -4186,6 +4632,59 @@
           </a:prstGeom>
         </p:spPr>
       </p:pic>
+      <p:sp>
+        <p:nvSpPr>
+          <p:cNvPr id="5" name="Rectangle 4"/>
+          <p:cNvSpPr/>
+          <p:nvPr/>
+        </p:nvSpPr>
+        <p:spPr>
+          <a:xfrm>
+            <a:off x="6029578" y="6308725"/>
+            <a:ext cx="2915157" cy="369332"/>
+          </a:xfrm>
+          <a:prstGeom prst="rect">
+            <a:avLst/>
+          </a:prstGeom>
+        </p:spPr>
+        <p:txBody>
+          <a:bodyPr wrap="none">
+            <a:spAutoFit/>
+          </a:bodyPr>
+          <a:lstStyle/>
+          <a:p>
+            <a:r>
+              <a:rPr lang="fr-FR" dirty="0">
+                <a:ln w="0"/>
+                <a:solidFill>
+                  <a:schemeClr val="accent1"/>
+                </a:solidFill>
+                <a:effectLst>
+                  <a:outerShdw blurRad="38100" dist="25400" dir="5400000" algn="ctr" rotWithShape="0">
+                    <a:srgbClr val="6E747A">
+                      <a:alpha val="43000"/>
+                    </a:srgbClr>
+                  </a:outerShdw>
+                </a:effectLst>
+              </a:rPr>
+              <a:t>http://www.buissondiaz.com</a:t>
+            </a:r>
+            <a:endParaRPr lang="fr-FR" dirty="0">
+              <a:ln w="0"/>
+              <a:solidFill>
+                <a:schemeClr val="accent1"/>
+              </a:solidFill>
+              <a:effectLst>
+                <a:outerShdw blurRad="38100" dist="25400" dir="5400000" algn="ctr" rotWithShape="0">
+                  <a:srgbClr val="6E747A">
+                    <a:alpha val="43000"/>
+                  </a:srgbClr>
+                </a:outerShdw>
+              </a:effectLst>
+            </a:endParaRPr>
+          </a:p>
+        </p:txBody>
+      </p:sp>
     </p:spTree>
     <p:extLst>
       <p:ext uri="{BB962C8B-B14F-4D97-AF65-F5344CB8AC3E}">
@@ -4199,7 +4698,7 @@
   <p:timing>
     <p:tnLst>
       <p:par>
-        <p:cTn xmlns:p14="http://schemas.microsoft.com/office/powerpoint/2010/main" id="1" dur="indefinite" restart="never" nodeType="tmRoot"/>
+        <p:cTn id="1" dur="indefinite" restart="never" nodeType="tmRoot"/>
       </p:par>
     </p:tnLst>
   </p:timing>
@@ -4337,6 +4836,59 @@
           </a:p>
         </p:txBody>
       </p:sp>
+      <p:sp>
+        <p:nvSpPr>
+          <p:cNvPr id="3" name="Rectangle 2"/>
+          <p:cNvSpPr/>
+          <p:nvPr/>
+        </p:nvSpPr>
+        <p:spPr>
+          <a:xfrm>
+            <a:off x="6111118" y="6308725"/>
+            <a:ext cx="2915157" cy="369332"/>
+          </a:xfrm>
+          <a:prstGeom prst="rect">
+            <a:avLst/>
+          </a:prstGeom>
+        </p:spPr>
+        <p:txBody>
+          <a:bodyPr wrap="none">
+            <a:spAutoFit/>
+          </a:bodyPr>
+          <a:lstStyle/>
+          <a:p>
+            <a:r>
+              <a:rPr lang="fr-FR" dirty="0">
+                <a:ln w="0"/>
+                <a:solidFill>
+                  <a:schemeClr val="accent1"/>
+                </a:solidFill>
+                <a:effectLst>
+                  <a:outerShdw blurRad="38100" dist="25400" dir="5400000" algn="ctr" rotWithShape="0">
+                    <a:srgbClr val="6E747A">
+                      <a:alpha val="43000"/>
+                    </a:srgbClr>
+                  </a:outerShdw>
+                </a:effectLst>
+              </a:rPr>
+              <a:t>http://www.buissondiaz.com</a:t>
+            </a:r>
+            <a:endParaRPr lang="fr-FR" dirty="0">
+              <a:ln w="0"/>
+              <a:solidFill>
+                <a:schemeClr val="accent1"/>
+              </a:solidFill>
+              <a:effectLst>
+                <a:outerShdw blurRad="38100" dist="25400" dir="5400000" algn="ctr" rotWithShape="0">
+                  <a:srgbClr val="6E747A">
+                    <a:alpha val="43000"/>
+                  </a:srgbClr>
+                </a:outerShdw>
+              </a:effectLst>
+            </a:endParaRPr>
+          </a:p>
+        </p:txBody>
+      </p:sp>
     </p:spTree>
     <p:extLst>
       <p:ext uri="{BB962C8B-B14F-4D97-AF65-F5344CB8AC3E}">
@@ -4350,7 +4902,7 @@
   <p:timing>
     <p:tnLst>
       <p:par>
-        <p:cTn xmlns:p14="http://schemas.microsoft.com/office/powerpoint/2010/main" id="1" dur="indefinite" restart="never" nodeType="tmRoot"/>
+        <p:cTn id="1" dur="indefinite" restart="never" nodeType="tmRoot"/>
       </p:par>
     </p:tnLst>
   </p:timing>
@@ -4483,6 +5035,59 @@
           </a:prstGeom>
         </p:spPr>
       </p:pic>
+      <p:sp>
+        <p:nvSpPr>
+          <p:cNvPr id="2" name="Rectangle 1"/>
+          <p:cNvSpPr/>
+          <p:nvPr/>
+        </p:nvSpPr>
+        <p:spPr>
+          <a:xfrm>
+            <a:off x="6162421" y="6398696"/>
+            <a:ext cx="2915157" cy="369332"/>
+          </a:xfrm>
+          <a:prstGeom prst="rect">
+            <a:avLst/>
+          </a:prstGeom>
+        </p:spPr>
+        <p:txBody>
+          <a:bodyPr wrap="none">
+            <a:spAutoFit/>
+          </a:bodyPr>
+          <a:lstStyle/>
+          <a:p>
+            <a:r>
+              <a:rPr lang="fr-FR" dirty="0">
+                <a:ln w="0"/>
+                <a:solidFill>
+                  <a:schemeClr val="accent1"/>
+                </a:solidFill>
+                <a:effectLst>
+                  <a:outerShdw blurRad="38100" dist="25400" dir="5400000" algn="ctr" rotWithShape="0">
+                    <a:srgbClr val="6E747A">
+                      <a:alpha val="43000"/>
+                    </a:srgbClr>
+                  </a:outerShdw>
+                </a:effectLst>
+              </a:rPr>
+              <a:t>http://www.buissondiaz.com</a:t>
+            </a:r>
+            <a:endParaRPr lang="fr-FR" dirty="0">
+              <a:ln w="0"/>
+              <a:solidFill>
+                <a:schemeClr val="accent1"/>
+              </a:solidFill>
+              <a:effectLst>
+                <a:outerShdw blurRad="38100" dist="25400" dir="5400000" algn="ctr" rotWithShape="0">
+                  <a:srgbClr val="6E747A">
+                    <a:alpha val="43000"/>
+                  </a:srgbClr>
+                </a:outerShdw>
+              </a:effectLst>
+            </a:endParaRPr>
+          </a:p>
+        </p:txBody>
+      </p:sp>
     </p:spTree>
     <p:extLst>
       <p:ext uri="{BB962C8B-B14F-4D97-AF65-F5344CB8AC3E}">
@@ -4496,7 +5101,7 @@
   <p:timing>
     <p:tnLst>
       <p:par>
-        <p:cTn xmlns:p14="http://schemas.microsoft.com/office/powerpoint/2010/main" id="1" dur="indefinite" restart="never" nodeType="tmRoot"/>
+        <p:cTn id="1" dur="indefinite" restart="never" nodeType="tmRoot"/>
       </p:par>
     </p:tnLst>
   </p:timing>
@@ -4573,6 +5178,59 @@
           </a:prstGeom>
         </p:spPr>
       </p:pic>
+      <p:sp>
+        <p:nvSpPr>
+          <p:cNvPr id="4" name="Rectangle 3"/>
+          <p:cNvSpPr/>
+          <p:nvPr/>
+        </p:nvSpPr>
+        <p:spPr>
+          <a:xfrm>
+            <a:off x="6228843" y="6480948"/>
+            <a:ext cx="2915157" cy="369332"/>
+          </a:xfrm>
+          <a:prstGeom prst="rect">
+            <a:avLst/>
+          </a:prstGeom>
+        </p:spPr>
+        <p:txBody>
+          <a:bodyPr wrap="none">
+            <a:spAutoFit/>
+          </a:bodyPr>
+          <a:lstStyle/>
+          <a:p>
+            <a:r>
+              <a:rPr lang="fr-FR" dirty="0">
+                <a:ln w="0"/>
+                <a:solidFill>
+                  <a:schemeClr val="accent1"/>
+                </a:solidFill>
+                <a:effectLst>
+                  <a:outerShdw blurRad="38100" dist="25400" dir="5400000" algn="ctr" rotWithShape="0">
+                    <a:srgbClr val="6E747A">
+                      <a:alpha val="43000"/>
+                    </a:srgbClr>
+                  </a:outerShdw>
+                </a:effectLst>
+              </a:rPr>
+              <a:t>http://www.buissondiaz.com</a:t>
+            </a:r>
+            <a:endParaRPr lang="fr-FR" dirty="0">
+              <a:ln w="0"/>
+              <a:solidFill>
+                <a:schemeClr val="accent1"/>
+              </a:solidFill>
+              <a:effectLst>
+                <a:outerShdw blurRad="38100" dist="25400" dir="5400000" algn="ctr" rotWithShape="0">
+                  <a:srgbClr val="6E747A">
+                    <a:alpha val="43000"/>
+                  </a:srgbClr>
+                </a:outerShdw>
+              </a:effectLst>
+            </a:endParaRPr>
+          </a:p>
+        </p:txBody>
+      </p:sp>
     </p:spTree>
     <p:extLst>
       <p:ext uri="{BB962C8B-B14F-4D97-AF65-F5344CB8AC3E}">
@@ -4586,7 +5244,7 @@
   <p:timing>
     <p:tnLst>
       <p:par>
-        <p:cTn xmlns:p14="http://schemas.microsoft.com/office/powerpoint/2010/main" id="1" dur="indefinite" restart="never" nodeType="tmRoot"/>
+        <p:cTn id="1" dur="indefinite" restart="never" nodeType="tmRoot"/>
       </p:par>
     </p:tnLst>
   </p:timing>
@@ -4664,7 +5322,15 @@
           <a:p>
             <a:r>
               <a:rPr lang="en-US" dirty="0" smtClean="0"/>
-              <a:t>Accept to loose your data</a:t>
+              <a:t>Accept to </a:t>
+            </a:r>
+            <a:r>
+              <a:rPr lang="en-US" dirty="0" smtClean="0"/>
+              <a:t>lose </a:t>
+            </a:r>
+            <a:r>
+              <a:rPr lang="en-US" dirty="0" smtClean="0"/>
+              <a:t>your data</a:t>
             </a:r>
           </a:p>
           <a:p>
@@ -4714,6 +5380,59 @@
           </a:p>
           <a:p>
             <a:endParaRPr lang="en-US" dirty="0"/>
+          </a:p>
+        </p:txBody>
+      </p:sp>
+      <p:sp>
+        <p:nvSpPr>
+          <p:cNvPr id="2" name="Rectangle 1"/>
+          <p:cNvSpPr/>
+          <p:nvPr/>
+        </p:nvSpPr>
+        <p:spPr>
+          <a:xfrm>
+            <a:off x="6310295" y="6488668"/>
+            <a:ext cx="2915157" cy="369332"/>
+          </a:xfrm>
+          <a:prstGeom prst="rect">
+            <a:avLst/>
+          </a:prstGeom>
+        </p:spPr>
+        <p:txBody>
+          <a:bodyPr wrap="none">
+            <a:spAutoFit/>
+          </a:bodyPr>
+          <a:lstStyle/>
+          <a:p>
+            <a:r>
+              <a:rPr lang="fr-FR" dirty="0">
+                <a:ln w="0"/>
+                <a:solidFill>
+                  <a:schemeClr val="accent1"/>
+                </a:solidFill>
+                <a:effectLst>
+                  <a:outerShdw blurRad="38100" dist="25400" dir="5400000" algn="ctr" rotWithShape="0">
+                    <a:srgbClr val="6E747A">
+                      <a:alpha val="43000"/>
+                    </a:srgbClr>
+                  </a:outerShdw>
+                </a:effectLst>
+              </a:rPr>
+              <a:t>http://www.buissondiaz.com</a:t>
+            </a:r>
+            <a:endParaRPr lang="fr-FR" dirty="0">
+              <a:ln w="0"/>
+              <a:solidFill>
+                <a:schemeClr val="accent1"/>
+              </a:solidFill>
+              <a:effectLst>
+                <a:outerShdw blurRad="38100" dist="25400" dir="5400000" algn="ctr" rotWithShape="0">
+                  <a:srgbClr val="6E747A">
+                    <a:alpha val="43000"/>
+                  </a:srgbClr>
+                </a:outerShdw>
+              </a:effectLst>
+            </a:endParaRPr>
           </a:p>
         </p:txBody>
       </p:sp>
@@ -4730,7 +5449,7 @@
   <p:timing>
     <p:tnLst>
       <p:par>
-        <p:cTn xmlns:p14="http://schemas.microsoft.com/office/powerpoint/2010/main" id="1" dur="indefinite" restart="never" nodeType="tmRoot"/>
+        <p:cTn id="1" dur="indefinite" restart="never" nodeType="tmRoot"/>
       </p:par>
     </p:tnLst>
   </p:timing>
@@ -4878,11 +5597,7 @@
             </a:r>
             <a:r>
               <a:rPr lang="fr-FR" dirty="0" smtClean="0"/>
-              <a:t> : </a:t>
-            </a:r>
-            <a:r>
-              <a:rPr lang="fr-FR" dirty="0" smtClean="0"/>
-              <a:t>Switch to </a:t>
+              <a:t> : Switch to </a:t>
             </a:r>
             <a:r>
               <a:rPr lang="fr-FR" dirty="0" err="1" smtClean="0"/>
@@ -4916,6 +5631,59 @@
               <a:t> restart</a:t>
             </a:r>
             <a:endParaRPr lang="fr-FR" dirty="0"/>
+          </a:p>
+        </p:txBody>
+      </p:sp>
+      <p:sp>
+        <p:nvSpPr>
+          <p:cNvPr id="4" name="Rectangle 3"/>
+          <p:cNvSpPr/>
+          <p:nvPr/>
+        </p:nvSpPr>
+        <p:spPr>
+          <a:xfrm>
+            <a:off x="6156385" y="6403993"/>
+            <a:ext cx="2915157" cy="369332"/>
+          </a:xfrm>
+          <a:prstGeom prst="rect">
+            <a:avLst/>
+          </a:prstGeom>
+        </p:spPr>
+        <p:txBody>
+          <a:bodyPr wrap="none">
+            <a:spAutoFit/>
+          </a:bodyPr>
+          <a:lstStyle/>
+          <a:p>
+            <a:r>
+              <a:rPr lang="fr-FR" dirty="0">
+                <a:ln w="0"/>
+                <a:solidFill>
+                  <a:schemeClr val="accent1"/>
+                </a:solidFill>
+                <a:effectLst>
+                  <a:outerShdw blurRad="38100" dist="25400" dir="5400000" algn="ctr" rotWithShape="0">
+                    <a:srgbClr val="6E747A">
+                      <a:alpha val="43000"/>
+                    </a:srgbClr>
+                  </a:outerShdw>
+                </a:effectLst>
+              </a:rPr>
+              <a:t>http://www.buissondiaz.com</a:t>
+            </a:r>
+            <a:endParaRPr lang="fr-FR" dirty="0">
+              <a:ln w="0"/>
+              <a:solidFill>
+                <a:schemeClr val="accent1"/>
+              </a:solidFill>
+              <a:effectLst>
+                <a:outerShdw blurRad="38100" dist="25400" dir="5400000" algn="ctr" rotWithShape="0">
+                  <a:srgbClr val="6E747A">
+                    <a:alpha val="43000"/>
+                  </a:srgbClr>
+                </a:outerShdw>
+              </a:effectLst>
+            </a:endParaRPr>
           </a:p>
         </p:txBody>
       </p:sp>
@@ -4932,7 +5700,7 @@
   <p:timing>
     <p:tnLst>
       <p:par>
-        <p:cTn xmlns:p14="http://schemas.microsoft.com/office/powerpoint/2010/main" id="1" dur="indefinite" restart="never" nodeType="tmRoot"/>
+        <p:cTn id="1" dur="indefinite" restart="never" nodeType="tmRoot"/>
       </p:par>
     </p:tnLst>
   </p:timing>
@@ -5160,6 +5928,59 @@
           </a:p>
         </p:txBody>
       </p:sp>
+      <p:sp>
+        <p:nvSpPr>
+          <p:cNvPr id="5" name="Rectangle 4"/>
+          <p:cNvSpPr/>
+          <p:nvPr/>
+        </p:nvSpPr>
+        <p:spPr>
+          <a:xfrm>
+            <a:off x="6029578" y="6394940"/>
+            <a:ext cx="2915157" cy="369332"/>
+          </a:xfrm>
+          <a:prstGeom prst="rect">
+            <a:avLst/>
+          </a:prstGeom>
+        </p:spPr>
+        <p:txBody>
+          <a:bodyPr wrap="none">
+            <a:spAutoFit/>
+          </a:bodyPr>
+          <a:lstStyle/>
+          <a:p>
+            <a:r>
+              <a:rPr lang="fr-FR" dirty="0">
+                <a:ln w="0"/>
+                <a:solidFill>
+                  <a:schemeClr val="accent1"/>
+                </a:solidFill>
+                <a:effectLst>
+                  <a:outerShdw blurRad="38100" dist="25400" dir="5400000" algn="ctr" rotWithShape="0">
+                    <a:srgbClr val="6E747A">
+                      <a:alpha val="43000"/>
+                    </a:srgbClr>
+                  </a:outerShdw>
+                </a:effectLst>
+              </a:rPr>
+              <a:t>http://www.buissondiaz.com</a:t>
+            </a:r>
+            <a:endParaRPr lang="fr-FR" dirty="0">
+              <a:ln w="0"/>
+              <a:solidFill>
+                <a:schemeClr val="accent1"/>
+              </a:solidFill>
+              <a:effectLst>
+                <a:outerShdw blurRad="38100" dist="25400" dir="5400000" algn="ctr" rotWithShape="0">
+                  <a:srgbClr val="6E747A">
+                    <a:alpha val="43000"/>
+                  </a:srgbClr>
+                </a:outerShdw>
+              </a:effectLst>
+            </a:endParaRPr>
+          </a:p>
+        </p:txBody>
+      </p:sp>
     </p:spTree>
     <p:extLst>
       <p:ext uri="{BB962C8B-B14F-4D97-AF65-F5344CB8AC3E}">
@@ -5173,7 +5994,7 @@
   <p:timing>
     <p:tnLst>
       <p:par>
-        <p:cTn xmlns:p14="http://schemas.microsoft.com/office/powerpoint/2010/main" id="1" dur="indefinite" restart="never" nodeType="tmRoot"/>
+        <p:cTn id="1" dur="indefinite" restart="never" nodeType="tmRoot"/>
       </p:par>
     </p:tnLst>
   </p:timing>
@@ -5404,6 +6225,59 @@
           </a:p>
         </p:txBody>
       </p:sp>
+      <p:sp>
+        <p:nvSpPr>
+          <p:cNvPr id="3" name="Rectangle 2"/>
+          <p:cNvSpPr/>
+          <p:nvPr/>
+        </p:nvSpPr>
+        <p:spPr>
+          <a:xfrm>
+            <a:off x="6101843" y="6462841"/>
+            <a:ext cx="2915157" cy="369332"/>
+          </a:xfrm>
+          <a:prstGeom prst="rect">
+            <a:avLst/>
+          </a:prstGeom>
+        </p:spPr>
+        <p:txBody>
+          <a:bodyPr wrap="none">
+            <a:spAutoFit/>
+          </a:bodyPr>
+          <a:lstStyle/>
+          <a:p>
+            <a:r>
+              <a:rPr lang="fr-FR" dirty="0">
+                <a:ln w="0"/>
+                <a:solidFill>
+                  <a:schemeClr val="accent1"/>
+                </a:solidFill>
+                <a:effectLst>
+                  <a:outerShdw blurRad="38100" dist="25400" dir="5400000" algn="ctr" rotWithShape="0">
+                    <a:srgbClr val="6E747A">
+                      <a:alpha val="43000"/>
+                    </a:srgbClr>
+                  </a:outerShdw>
+                </a:effectLst>
+              </a:rPr>
+              <a:t>http://www.buissondiaz.com</a:t>
+            </a:r>
+            <a:endParaRPr lang="fr-FR" dirty="0">
+              <a:ln w="0"/>
+              <a:solidFill>
+                <a:schemeClr val="accent1"/>
+              </a:solidFill>
+              <a:effectLst>
+                <a:outerShdw blurRad="38100" dist="25400" dir="5400000" algn="ctr" rotWithShape="0">
+                  <a:srgbClr val="6E747A">
+                    <a:alpha val="43000"/>
+                  </a:srgbClr>
+                </a:outerShdw>
+              </a:effectLst>
+            </a:endParaRPr>
+          </a:p>
+        </p:txBody>
+      </p:sp>
     </p:spTree>
     <p:extLst>
       <p:ext uri="{BB962C8B-B14F-4D97-AF65-F5344CB8AC3E}">
@@ -5417,7 +6291,7 @@
   <p:timing>
     <p:tnLst>
       <p:par>
-        <p:cTn xmlns:p14="http://schemas.microsoft.com/office/powerpoint/2010/main" id="1" dur="indefinite" restart="never" nodeType="tmRoot"/>
+        <p:cTn id="1" dur="indefinite" restart="never" nodeType="tmRoot"/>
       </p:par>
     </p:tnLst>
   </p:timing>
@@ -5505,7 +6379,7 @@
   <p:timing>
     <p:tnLst>
       <p:par>
-        <p:cTn xmlns:p14="http://schemas.microsoft.com/office/powerpoint/2010/main" id="1" dur="indefinite" restart="never" nodeType="tmRoot"/>
+        <p:cTn id="1" dur="indefinite" restart="never" nodeType="tmRoot"/>
       </p:par>
     </p:tnLst>
   </p:timing>
@@ -5590,6 +6464,59 @@
           </a:prstGeom>
         </p:spPr>
       </p:pic>
+      <p:sp>
+        <p:nvSpPr>
+          <p:cNvPr id="3" name="Rectangle 2"/>
+          <p:cNvSpPr/>
+          <p:nvPr/>
+        </p:nvSpPr>
+        <p:spPr>
+          <a:xfrm>
+            <a:off x="6228843" y="6480948"/>
+            <a:ext cx="2915157" cy="369332"/>
+          </a:xfrm>
+          <a:prstGeom prst="rect">
+            <a:avLst/>
+          </a:prstGeom>
+        </p:spPr>
+        <p:txBody>
+          <a:bodyPr wrap="none">
+            <a:spAutoFit/>
+          </a:bodyPr>
+          <a:lstStyle/>
+          <a:p>
+            <a:r>
+              <a:rPr lang="fr-FR" dirty="0">
+                <a:ln w="0"/>
+                <a:solidFill>
+                  <a:schemeClr val="accent1"/>
+                </a:solidFill>
+                <a:effectLst>
+                  <a:outerShdw blurRad="38100" dist="25400" dir="5400000" algn="ctr" rotWithShape="0">
+                    <a:srgbClr val="6E747A">
+                      <a:alpha val="43000"/>
+                    </a:srgbClr>
+                  </a:outerShdw>
+                </a:effectLst>
+              </a:rPr>
+              <a:t>http://www.buissondiaz.com</a:t>
+            </a:r>
+            <a:endParaRPr lang="fr-FR" dirty="0">
+              <a:ln w="0"/>
+              <a:solidFill>
+                <a:schemeClr val="accent1"/>
+              </a:solidFill>
+              <a:effectLst>
+                <a:outerShdw blurRad="38100" dist="25400" dir="5400000" algn="ctr" rotWithShape="0">
+                  <a:srgbClr val="6E747A">
+                    <a:alpha val="43000"/>
+                  </a:srgbClr>
+                </a:outerShdw>
+              </a:effectLst>
+            </a:endParaRPr>
+          </a:p>
+        </p:txBody>
+      </p:sp>
     </p:spTree>
     <p:extLst>
       <p:ext uri="{BB962C8B-B14F-4D97-AF65-F5344CB8AC3E}">
@@ -5603,7 +6530,7 @@
   <p:timing>
     <p:tnLst>
       <p:par>
-        <p:cTn xmlns:p14="http://schemas.microsoft.com/office/powerpoint/2010/main" id="1" dur="indefinite" restart="never" nodeType="tmRoot"/>
+        <p:cTn id="1" dur="indefinite" restart="never" nodeType="tmRoot"/>
       </p:par>
     </p:tnLst>
   </p:timing>
@@ -5680,6 +6607,59 @@
           </a:prstGeom>
         </p:spPr>
       </p:pic>
+      <p:sp>
+        <p:nvSpPr>
+          <p:cNvPr id="4" name="Rectangle 3"/>
+          <p:cNvSpPr/>
+          <p:nvPr/>
+        </p:nvSpPr>
+        <p:spPr>
+          <a:xfrm>
+            <a:off x="6228843" y="6488668"/>
+            <a:ext cx="2915157" cy="369332"/>
+          </a:xfrm>
+          <a:prstGeom prst="rect">
+            <a:avLst/>
+          </a:prstGeom>
+        </p:spPr>
+        <p:txBody>
+          <a:bodyPr wrap="none">
+            <a:spAutoFit/>
+          </a:bodyPr>
+          <a:lstStyle/>
+          <a:p>
+            <a:r>
+              <a:rPr lang="fr-FR" dirty="0">
+                <a:ln w="0"/>
+                <a:solidFill>
+                  <a:schemeClr val="accent1"/>
+                </a:solidFill>
+                <a:effectLst>
+                  <a:outerShdw blurRad="38100" dist="25400" dir="5400000" algn="ctr" rotWithShape="0">
+                    <a:srgbClr val="6E747A">
+                      <a:alpha val="43000"/>
+                    </a:srgbClr>
+                  </a:outerShdw>
+                </a:effectLst>
+              </a:rPr>
+              <a:t>http://www.buissondiaz.com</a:t>
+            </a:r>
+            <a:endParaRPr lang="fr-FR" dirty="0">
+              <a:ln w="0"/>
+              <a:solidFill>
+                <a:schemeClr val="accent1"/>
+              </a:solidFill>
+              <a:effectLst>
+                <a:outerShdw blurRad="38100" dist="25400" dir="5400000" algn="ctr" rotWithShape="0">
+                  <a:srgbClr val="6E747A">
+                    <a:alpha val="43000"/>
+                  </a:srgbClr>
+                </a:outerShdw>
+              </a:effectLst>
+            </a:endParaRPr>
+          </a:p>
+        </p:txBody>
+      </p:sp>
     </p:spTree>
     <p:extLst>
       <p:ext uri="{BB962C8B-B14F-4D97-AF65-F5344CB8AC3E}">
@@ -5690,6 +6670,13 @@
   <p:clrMapOvr>
     <a:masterClrMapping/>
   </p:clrMapOvr>
+  <p:timing>
+    <p:tnLst>
+      <p:par>
+        <p:cTn id="1" dur="indefinite" restart="never" nodeType="tmRoot"/>
+      </p:par>
+    </p:tnLst>
+  </p:timing>
 </p:sld>
 </file>
 
@@ -5756,7 +6743,76 @@
           <a:bodyPr/>
           <a:lstStyle/>
           <a:p>
-            <a:endParaRPr lang="fr-FR"/>
+            <a:r>
+              <a:rPr lang="fr-FR" dirty="0" err="1" smtClean="0"/>
+              <a:t>See</a:t>
+            </a:r>
+            <a:r>
+              <a:rPr lang="fr-FR" dirty="0" smtClean="0"/>
+              <a:t> the original code </a:t>
+            </a:r>
+            <a:r>
+              <a:rPr lang="fr-FR" dirty="0" err="1" smtClean="0"/>
+              <a:t>demo</a:t>
+            </a:r>
+            <a:r>
+              <a:rPr lang="fr-FR" dirty="0"/>
+              <a:t> on : https://github.com/buidiaconseil/DemoKafkaAkkaSpark</a:t>
+            </a:r>
+            <a:endParaRPr lang="fr-FR" dirty="0"/>
+          </a:p>
+        </p:txBody>
+      </p:sp>
+      <p:sp>
+        <p:nvSpPr>
+          <p:cNvPr id="2" name="Rectangle 1"/>
+          <p:cNvSpPr/>
+          <p:nvPr/>
+        </p:nvSpPr>
+        <p:spPr>
+          <a:xfrm>
+            <a:off x="6165438" y="6358726"/>
+            <a:ext cx="2915157" cy="369332"/>
+          </a:xfrm>
+          <a:prstGeom prst="rect">
+            <a:avLst/>
+          </a:prstGeom>
+        </p:spPr>
+        <p:txBody>
+          <a:bodyPr wrap="none">
+            <a:spAutoFit/>
+          </a:bodyPr>
+          <a:lstStyle/>
+          <a:p>
+            <a:r>
+              <a:rPr lang="fr-FR" dirty="0">
+                <a:ln w="0"/>
+                <a:solidFill>
+                  <a:schemeClr val="accent1"/>
+                </a:solidFill>
+                <a:effectLst>
+                  <a:outerShdw blurRad="38100" dist="25400" dir="5400000" algn="ctr" rotWithShape="0">
+                    <a:srgbClr val="6E747A">
+                      <a:alpha val="43000"/>
+                    </a:srgbClr>
+                  </a:outerShdw>
+                </a:effectLst>
+              </a:rPr>
+              <a:t>http://www.buissondiaz.com</a:t>
+            </a:r>
+            <a:endParaRPr lang="fr-FR" dirty="0">
+              <a:ln w="0"/>
+              <a:solidFill>
+                <a:schemeClr val="accent1"/>
+              </a:solidFill>
+              <a:effectLst>
+                <a:outerShdw blurRad="38100" dist="25400" dir="5400000" algn="ctr" rotWithShape="0">
+                  <a:srgbClr val="6E747A">
+                    <a:alpha val="43000"/>
+                  </a:srgbClr>
+                </a:outerShdw>
+              </a:effectLst>
+            </a:endParaRPr>
           </a:p>
         </p:txBody>
       </p:sp>
@@ -5770,6 +6826,13 @@
   <p:clrMapOvr>
     <a:masterClrMapping/>
   </p:clrMapOvr>
+  <p:timing>
+    <p:tnLst>
+      <p:par>
+        <p:cTn id="1" dur="indefinite" restart="never" nodeType="tmRoot"/>
+      </p:par>
+    </p:tnLst>
+  </p:timing>
 </p:sld>
 </file>
 
@@ -5807,7 +6870,27 @@
           <a:p>
             <a:r>
               <a:rPr lang="fr-FR" dirty="0" smtClean="0"/>
-              <a:t>SMACK Architecture		</a:t>
+              <a:t>New S</a:t>
+            </a:r>
+            <a:r>
+              <a:rPr lang="fr-FR" strike="sngStrike" dirty="0" smtClean="0"/>
+              <a:t>M</a:t>
+            </a:r>
+            <a:r>
+              <a:rPr lang="fr-FR" dirty="0" smtClean="0">
+                <a:solidFill>
+                  <a:schemeClr val="accent1"/>
+                </a:solidFill>
+              </a:rPr>
+              <a:t>KR</a:t>
+            </a:r>
+            <a:r>
+              <a:rPr lang="fr-FR" dirty="0" smtClean="0"/>
+              <a:t>ACK </a:t>
+            </a:r>
+            <a:r>
+              <a:rPr lang="fr-FR" dirty="0" smtClean="0"/>
+              <a:t>Architecture		</a:t>
             </a:r>
             <a:endParaRPr lang="fr-FR" dirty="0"/>
           </a:p>
@@ -5844,13 +6927,34 @@
           </a:p>
           <a:p>
             <a:r>
-              <a:rPr lang="fr-FR" dirty="0" err="1" smtClean="0"/>
+              <a:rPr lang="fr-FR" strike="sngStrike" dirty="0" err="1" smtClean="0"/>
               <a:t>Mesos</a:t>
             </a:r>
             <a:r>
+              <a:rPr lang="fr-FR" strike="sngStrike" dirty="0" smtClean="0"/>
+              <a:t> : Cluster </a:t>
+            </a:r>
+            <a:r>
+              <a:rPr lang="fr-FR" strike="sngStrike" dirty="0" smtClean="0"/>
+              <a:t>Management</a:t>
+            </a:r>
+          </a:p>
+          <a:p>
+            <a:r>
+              <a:rPr lang="fr-FR" dirty="0" err="1" smtClean="0"/>
+              <a:t>Kubernetes</a:t>
+            </a:r>
+            <a:r>
               <a:rPr lang="fr-FR" dirty="0" smtClean="0"/>
               <a:t> : Cluster Management</a:t>
             </a:r>
+          </a:p>
+          <a:p>
+            <a:r>
+              <a:rPr lang="fr-FR" dirty="0" smtClean="0"/>
+              <a:t>++ Redis : Cache</a:t>
+            </a:r>
+            <a:endParaRPr lang="fr-FR" dirty="0" smtClean="0"/>
           </a:p>
           <a:p>
             <a:r>
@@ -5916,6 +7020,13 @@
   <p:clrMapOvr>
     <a:masterClrMapping/>
   </p:clrMapOvr>
+  <p:timing>
+    <p:tnLst>
+      <p:par>
+        <p:cTn id="1" dur="indefinite" restart="never" nodeType="tmRoot"/>
+      </p:par>
+    </p:tnLst>
+  </p:timing>
 </p:sld>
 </file>
 
@@ -6090,11 +7201,17 @@
             </a:r>
             <a:r>
               <a:rPr lang="fr-FR" dirty="0" smtClean="0"/>
-              <a:t> version="2.0</a:t>
-            </a:r>
-            <a:r>
-              <a:rPr lang="fr-FR" dirty="0" smtClean="0"/>
-              <a:t>"</a:t>
+              <a:t> version="2.0"&gt;</a:t>
+            </a:r>
+          </a:p>
+          <a:p>
+            <a:r>
+              <a:rPr lang="fr-FR" dirty="0" smtClean="0"/>
+              <a:t>&lt;</a:t>
+            </a:r>
+            <a:r>
+              <a:rPr lang="fr-FR" dirty="0" err="1" smtClean="0"/>
+              <a:t>channel</a:t>
             </a:r>
             <a:r>
               <a:rPr lang="fr-FR" dirty="0" smtClean="0"/>
@@ -6104,7 +7221,143 @@
           <a:p>
             <a:r>
               <a:rPr lang="fr-FR" dirty="0" smtClean="0"/>
-              <a:t>&lt;</a:t>
+              <a:t>  &lt;</a:t>
+            </a:r>
+            <a:r>
+              <a:rPr lang="fr-FR" dirty="0" err="1" smtClean="0"/>
+              <a:t>title</a:t>
+            </a:r>
+            <a:r>
+              <a:rPr lang="fr-FR" dirty="0" smtClean="0"/>
+              <a:t>&gt;Page&lt;/</a:t>
+            </a:r>
+            <a:r>
+              <a:rPr lang="fr-FR" dirty="0" err="1" smtClean="0"/>
+              <a:t>title</a:t>
+            </a:r>
+            <a:r>
+              <a:rPr lang="fr-FR" dirty="0" smtClean="0"/>
+              <a:t>&gt;</a:t>
+            </a:r>
+          </a:p>
+          <a:p>
+            <a:r>
+              <a:rPr lang="fr-FR" dirty="0" smtClean="0"/>
+              <a:t>  &lt;</a:t>
+            </a:r>
+            <a:r>
+              <a:rPr lang="fr-FR" dirty="0" err="1" smtClean="0"/>
+              <a:t>link</a:t>
+            </a:r>
+            <a:r>
+              <a:rPr lang="fr-FR" dirty="0" smtClean="0"/>
+              <a:t>&gt;</a:t>
+            </a:r>
+            <a:r>
+              <a:rPr lang="fr-FR" dirty="0" err="1" smtClean="0"/>
+              <a:t>https</a:t>
+            </a:r>
+            <a:r>
+              <a:rPr lang="fr-FR" dirty="0" smtClean="0"/>
+              <a:t>://XXX&lt;/</a:t>
+            </a:r>
+            <a:r>
+              <a:rPr lang="fr-FR" dirty="0" err="1" smtClean="0"/>
+              <a:t>link</a:t>
+            </a:r>
+            <a:r>
+              <a:rPr lang="fr-FR" dirty="0" smtClean="0"/>
+              <a:t>&gt;</a:t>
+            </a:r>
+          </a:p>
+          <a:p>
+            <a:r>
+              <a:rPr lang="fr-FR" dirty="0" smtClean="0"/>
+              <a:t>  &lt;description&gt;Free&lt;/description&gt;</a:t>
+            </a:r>
+          </a:p>
+          <a:p>
+            <a:r>
+              <a:rPr lang="fr-FR" dirty="0" smtClean="0"/>
+              <a:t>  &lt;item&gt;</a:t>
+            </a:r>
+          </a:p>
+          <a:p>
+            <a:r>
+              <a:rPr lang="fr-FR" dirty="0" smtClean="0"/>
+              <a:t>    &lt;</a:t>
+            </a:r>
+            <a:r>
+              <a:rPr lang="fr-FR" dirty="0" err="1" smtClean="0"/>
+              <a:t>title</a:t>
+            </a:r>
+            <a:r>
+              <a:rPr lang="fr-FR" dirty="0" smtClean="0"/>
+              <a:t>&gt;</a:t>
+            </a:r>
+            <a:r>
+              <a:rPr lang="fr-FR" dirty="0" err="1" smtClean="0"/>
+              <a:t>Tuto</a:t>
+            </a:r>
+            <a:r>
+              <a:rPr lang="fr-FR" dirty="0" smtClean="0"/>
+              <a:t>&lt;/</a:t>
+            </a:r>
+            <a:r>
+              <a:rPr lang="fr-FR" dirty="0" err="1" smtClean="0"/>
+              <a:t>title</a:t>
+            </a:r>
+            <a:r>
+              <a:rPr lang="fr-FR" dirty="0" smtClean="0"/>
+              <a:t>&gt;</a:t>
+            </a:r>
+          </a:p>
+          <a:p>
+            <a:r>
+              <a:rPr lang="fr-FR" dirty="0" smtClean="0"/>
+              <a:t>    &lt;</a:t>
+            </a:r>
+            <a:r>
+              <a:rPr lang="fr-FR" dirty="0" err="1" smtClean="0"/>
+              <a:t>link</a:t>
+            </a:r>
+            <a:r>
+              <a:rPr lang="fr-FR" dirty="0" smtClean="0"/>
+              <a:t>&gt;</a:t>
+            </a:r>
+            <a:r>
+              <a:rPr lang="fr-FR" dirty="0" err="1" smtClean="0"/>
+              <a:t>https</a:t>
+            </a:r>
+            <a:r>
+              <a:rPr lang="fr-FR" dirty="0" smtClean="0"/>
+              <a:t>://XXXX&lt;/</a:t>
+            </a:r>
+            <a:r>
+              <a:rPr lang="fr-FR" dirty="0" err="1" smtClean="0"/>
+              <a:t>link</a:t>
+            </a:r>
+            <a:r>
+              <a:rPr lang="fr-FR" dirty="0" smtClean="0"/>
+              <a:t>&gt;</a:t>
+            </a:r>
+          </a:p>
+          <a:p>
+            <a:r>
+              <a:rPr lang="fr-FR" dirty="0" smtClean="0"/>
+              <a:t>    &lt;description&gt;New&lt;/description&gt;</a:t>
+            </a:r>
+          </a:p>
+          <a:p>
+            <a:r>
+              <a:rPr lang="fr-FR" dirty="0" smtClean="0"/>
+              <a:t>  &lt;/item&gt;</a:t>
+            </a:r>
+          </a:p>
+          <a:p>
+            <a:r>
+              <a:rPr lang="fr-FR" dirty="0" smtClean="0"/>
+              <a:t>&lt;/</a:t>
             </a:r>
             <a:r>
               <a:rPr lang="fr-FR" dirty="0" err="1" smtClean="0"/>
@@ -6118,171 +7371,70 @@
           <a:p>
             <a:r>
               <a:rPr lang="fr-FR" dirty="0" smtClean="0"/>
-              <a:t>  &lt;</a:t>
-            </a:r>
-            <a:r>
-              <a:rPr lang="fr-FR" dirty="0" err="1" smtClean="0"/>
-              <a:t>title</a:t>
-            </a:r>
-            <a:r>
-              <a:rPr lang="fr-FR" dirty="0" smtClean="0"/>
-              <a:t>&gt;Page&lt;/</a:t>
-            </a:r>
-            <a:r>
-              <a:rPr lang="fr-FR" dirty="0" err="1" smtClean="0"/>
-              <a:t>title</a:t>
+              <a:t>&lt;/</a:t>
+            </a:r>
+            <a:r>
+              <a:rPr lang="fr-FR" dirty="0" err="1" smtClean="0"/>
+              <a:t>rss</a:t>
             </a:r>
             <a:r>
               <a:rPr lang="fr-FR" dirty="0" smtClean="0"/>
               <a:t>&gt;</a:t>
             </a:r>
-          </a:p>
-          <a:p>
-            <a:r>
-              <a:rPr lang="fr-FR" dirty="0" smtClean="0"/>
-              <a:t>  &lt;</a:t>
-            </a:r>
-            <a:r>
-              <a:rPr lang="fr-FR" dirty="0" err="1" smtClean="0"/>
-              <a:t>link</a:t>
-            </a:r>
-            <a:r>
-              <a:rPr lang="fr-FR" dirty="0" smtClean="0"/>
-              <a:t>&gt;</a:t>
-            </a:r>
-            <a:r>
-              <a:rPr lang="fr-FR" dirty="0" err="1" smtClean="0"/>
-              <a:t>https</a:t>
-            </a:r>
-            <a:r>
-              <a:rPr lang="fr-FR" dirty="0" smtClean="0"/>
-              <a:t>://XXX&lt;/</a:t>
-            </a:r>
-            <a:r>
-              <a:rPr lang="fr-FR" dirty="0" err="1" smtClean="0"/>
-              <a:t>link</a:t>
-            </a:r>
-            <a:r>
-              <a:rPr lang="fr-FR" dirty="0" smtClean="0"/>
-              <a:t>&gt;</a:t>
-            </a:r>
-          </a:p>
-          <a:p>
-            <a:r>
-              <a:rPr lang="fr-FR" dirty="0" smtClean="0"/>
-              <a:t>  &lt;description&gt;Free&lt;/description&gt;</a:t>
-            </a:r>
-          </a:p>
-          <a:p>
-            <a:r>
-              <a:rPr lang="fr-FR" dirty="0" smtClean="0"/>
-              <a:t>  &lt;item&gt;</a:t>
-            </a:r>
-          </a:p>
-          <a:p>
-            <a:r>
-              <a:rPr lang="fr-FR" dirty="0" smtClean="0"/>
-              <a:t>    &lt;</a:t>
-            </a:r>
-            <a:r>
-              <a:rPr lang="fr-FR" dirty="0" err="1" smtClean="0"/>
-              <a:t>title</a:t>
-            </a:r>
-            <a:r>
-              <a:rPr lang="fr-FR" dirty="0" smtClean="0"/>
-              <a:t>&gt;</a:t>
-            </a:r>
-            <a:r>
-              <a:rPr lang="fr-FR" dirty="0" err="1" smtClean="0"/>
-              <a:t>Tuto</a:t>
-            </a:r>
-            <a:r>
-              <a:rPr lang="fr-FR" dirty="0" smtClean="0"/>
-              <a:t>&lt;/</a:t>
-            </a:r>
-            <a:r>
-              <a:rPr lang="fr-FR" dirty="0" err="1" smtClean="0"/>
-              <a:t>title</a:t>
-            </a:r>
-            <a:r>
-              <a:rPr lang="fr-FR" dirty="0" smtClean="0"/>
-              <a:t>&gt;</a:t>
-            </a:r>
-          </a:p>
-          <a:p>
-            <a:r>
-              <a:rPr lang="fr-FR" dirty="0" smtClean="0"/>
-              <a:t>    &lt;</a:t>
-            </a:r>
-            <a:r>
-              <a:rPr lang="fr-FR" dirty="0" err="1" smtClean="0"/>
-              <a:t>link</a:t>
-            </a:r>
-            <a:r>
-              <a:rPr lang="fr-FR" dirty="0" smtClean="0"/>
-              <a:t>&gt;</a:t>
-            </a:r>
-            <a:r>
-              <a:rPr lang="fr-FR" dirty="0" err="1" smtClean="0"/>
-              <a:t>https</a:t>
-            </a:r>
-            <a:r>
-              <a:rPr lang="fr-FR" dirty="0" smtClean="0"/>
-              <a:t>://XXXX</a:t>
-            </a:r>
-            <a:r>
-              <a:rPr lang="fr-FR" dirty="0" smtClean="0"/>
-              <a:t>&lt;/</a:t>
-            </a:r>
-            <a:r>
-              <a:rPr lang="fr-FR" dirty="0" err="1" smtClean="0"/>
-              <a:t>link</a:t>
-            </a:r>
-            <a:r>
-              <a:rPr lang="fr-FR" dirty="0" smtClean="0"/>
-              <a:t>&gt;</a:t>
-            </a:r>
-          </a:p>
-          <a:p>
-            <a:r>
-              <a:rPr lang="fr-FR" dirty="0" smtClean="0"/>
-              <a:t>    &lt;description&gt;New&lt;/description&gt;</a:t>
-            </a:r>
-          </a:p>
-          <a:p>
-            <a:r>
-              <a:rPr lang="fr-FR" dirty="0" smtClean="0"/>
-              <a:t>  &lt;/item&gt;</a:t>
-            </a:r>
-          </a:p>
-          <a:p>
-            <a:r>
-              <a:rPr lang="fr-FR" dirty="0" smtClean="0"/>
-              <a:t>&lt;/</a:t>
-            </a:r>
-            <a:r>
-              <a:rPr lang="fr-FR" dirty="0" err="1" smtClean="0"/>
-              <a:t>channel</a:t>
-            </a:r>
-            <a:r>
-              <a:rPr lang="fr-FR" dirty="0" smtClean="0"/>
-              <a:t>&gt;</a:t>
-            </a:r>
-          </a:p>
-          <a:p>
-            <a:r>
-              <a:rPr lang="fr-FR" dirty="0" smtClean="0"/>
-              <a:t>&lt;/</a:t>
-            </a:r>
-            <a:r>
-              <a:rPr lang="fr-FR" dirty="0" err="1" smtClean="0"/>
-              <a:t>rss</a:t>
-            </a:r>
-            <a:r>
-              <a:rPr lang="fr-FR" dirty="0" smtClean="0"/>
-              <a:t>&gt;</a:t>
-            </a:r>
             <a:endParaRPr lang="fr-FR" dirty="0"/>
+          </a:p>
+        </p:txBody>
+      </p:sp>
+      <p:sp>
+        <p:nvSpPr>
+          <p:cNvPr id="5" name="Rectangle 4"/>
+          <p:cNvSpPr/>
+          <p:nvPr/>
+        </p:nvSpPr>
+        <p:spPr>
+          <a:xfrm>
+            <a:off x="6228843" y="6480948"/>
+            <a:ext cx="2915157" cy="369332"/>
+          </a:xfrm>
+          <a:prstGeom prst="rect">
+            <a:avLst/>
+          </a:prstGeom>
+        </p:spPr>
+        <p:txBody>
+          <a:bodyPr wrap="none">
+            <a:spAutoFit/>
+          </a:bodyPr>
+          <a:lstStyle/>
+          <a:p>
+            <a:r>
+              <a:rPr lang="fr-FR" dirty="0">
+                <a:ln w="0"/>
+                <a:solidFill>
+                  <a:schemeClr val="accent1"/>
+                </a:solidFill>
+                <a:effectLst>
+                  <a:outerShdw blurRad="38100" dist="25400" dir="5400000" algn="ctr" rotWithShape="0">
+                    <a:srgbClr val="6E747A">
+                      <a:alpha val="43000"/>
+                    </a:srgbClr>
+                  </a:outerShdw>
+                </a:effectLst>
+              </a:rPr>
+              <a:t>http://www.buissondiaz.com</a:t>
+            </a:r>
+            <a:endParaRPr lang="fr-FR" dirty="0">
+              <a:ln w="0"/>
+              <a:solidFill>
+                <a:schemeClr val="accent1"/>
+              </a:solidFill>
+              <a:effectLst>
+                <a:outerShdw blurRad="38100" dist="25400" dir="5400000" algn="ctr" rotWithShape="0">
+                  <a:srgbClr val="6E747A">
+                    <a:alpha val="43000"/>
+                  </a:srgbClr>
+                </a:outerShdw>
+              </a:effectLst>
+            </a:endParaRPr>
           </a:p>
         </p:txBody>
       </p:sp>
@@ -6299,7 +7451,7 @@
   <p:timing>
     <p:tnLst>
       <p:par>
-        <p:cTn xmlns:p14="http://schemas.microsoft.com/office/powerpoint/2010/main" id="1" dur="indefinite" restart="never" nodeType="tmRoot"/>
+        <p:cTn id="1" dur="indefinite" restart="never" nodeType="tmRoot"/>
       </p:par>
     </p:tnLst>
   </p:timing>
@@ -6458,6 +7610,59 @@
           </a:p>
         </p:txBody>
       </p:sp>
+      <p:sp>
+        <p:nvSpPr>
+          <p:cNvPr id="4" name="Rectangle 3"/>
+          <p:cNvSpPr/>
+          <p:nvPr/>
+        </p:nvSpPr>
+        <p:spPr>
+          <a:xfrm>
+            <a:off x="6228843" y="6488668"/>
+            <a:ext cx="2915157" cy="369332"/>
+          </a:xfrm>
+          <a:prstGeom prst="rect">
+            <a:avLst/>
+          </a:prstGeom>
+        </p:spPr>
+        <p:txBody>
+          <a:bodyPr wrap="none">
+            <a:spAutoFit/>
+          </a:bodyPr>
+          <a:lstStyle/>
+          <a:p>
+            <a:r>
+              <a:rPr lang="fr-FR" dirty="0">
+                <a:ln w="0"/>
+                <a:solidFill>
+                  <a:schemeClr val="accent1"/>
+                </a:solidFill>
+                <a:effectLst>
+                  <a:outerShdw blurRad="38100" dist="25400" dir="5400000" algn="ctr" rotWithShape="0">
+                    <a:srgbClr val="6E747A">
+                      <a:alpha val="43000"/>
+                    </a:srgbClr>
+                  </a:outerShdw>
+                </a:effectLst>
+              </a:rPr>
+              <a:t>http://www.buissondiaz.com</a:t>
+            </a:r>
+            <a:endParaRPr lang="fr-FR" dirty="0">
+              <a:ln w="0"/>
+              <a:solidFill>
+                <a:schemeClr val="accent1"/>
+              </a:solidFill>
+              <a:effectLst>
+                <a:outerShdw blurRad="38100" dist="25400" dir="5400000" algn="ctr" rotWithShape="0">
+                  <a:srgbClr val="6E747A">
+                    <a:alpha val="43000"/>
+                  </a:srgbClr>
+                </a:outerShdw>
+              </a:effectLst>
+            </a:endParaRPr>
+          </a:p>
+        </p:txBody>
+      </p:sp>
     </p:spTree>
     <p:extLst>
       <p:ext uri="{BB962C8B-B14F-4D97-AF65-F5344CB8AC3E}">
@@ -6471,7 +7676,7 @@
   <p:timing>
     <p:tnLst>
       <p:par>
-        <p:cTn xmlns:p14="http://schemas.microsoft.com/office/powerpoint/2010/main" id="1" dur="indefinite" restart="never" nodeType="tmRoot"/>
+        <p:cTn id="1" dur="indefinite" restart="never" nodeType="tmRoot"/>
       </p:par>
     </p:tnLst>
   </p:timing>
@@ -6552,6 +7757,59 @@
           </a:prstGeom>
         </p:spPr>
       </p:pic>
+      <p:sp>
+        <p:nvSpPr>
+          <p:cNvPr id="2" name="Rectangle 1"/>
+          <p:cNvSpPr/>
+          <p:nvPr/>
+        </p:nvSpPr>
+        <p:spPr>
+          <a:xfrm>
+            <a:off x="6228843" y="6462841"/>
+            <a:ext cx="2915157" cy="369332"/>
+          </a:xfrm>
+          <a:prstGeom prst="rect">
+            <a:avLst/>
+          </a:prstGeom>
+        </p:spPr>
+        <p:txBody>
+          <a:bodyPr wrap="none">
+            <a:spAutoFit/>
+          </a:bodyPr>
+          <a:lstStyle/>
+          <a:p>
+            <a:r>
+              <a:rPr lang="fr-FR" dirty="0">
+                <a:ln w="0"/>
+                <a:solidFill>
+                  <a:schemeClr val="accent1"/>
+                </a:solidFill>
+                <a:effectLst>
+                  <a:outerShdw blurRad="38100" dist="25400" dir="5400000" algn="ctr" rotWithShape="0">
+                    <a:srgbClr val="6E747A">
+                      <a:alpha val="43000"/>
+                    </a:srgbClr>
+                  </a:outerShdw>
+                </a:effectLst>
+              </a:rPr>
+              <a:t>http://www.buissondiaz.com</a:t>
+            </a:r>
+            <a:endParaRPr lang="fr-FR" dirty="0">
+              <a:ln w="0"/>
+              <a:solidFill>
+                <a:schemeClr val="accent1"/>
+              </a:solidFill>
+              <a:effectLst>
+                <a:outerShdw blurRad="38100" dist="25400" dir="5400000" algn="ctr" rotWithShape="0">
+                  <a:srgbClr val="6E747A">
+                    <a:alpha val="43000"/>
+                  </a:srgbClr>
+                </a:outerShdw>
+              </a:effectLst>
+            </a:endParaRPr>
+          </a:p>
+        </p:txBody>
+      </p:sp>
     </p:spTree>
     <p:extLst>
       <p:ext uri="{BB962C8B-B14F-4D97-AF65-F5344CB8AC3E}">
@@ -6565,7 +7823,7 @@
   <p:timing>
     <p:tnLst>
       <p:par>
-        <p:cTn xmlns:p14="http://schemas.microsoft.com/office/powerpoint/2010/main" id="1" dur="indefinite" restart="never" nodeType="tmRoot"/>
+        <p:cTn id="1" dur="indefinite" restart="never" nodeType="tmRoot"/>
       </p:par>
     </p:tnLst>
   </p:timing>
@@ -6636,6 +7894,59 @@
           </a:prstGeom>
         </p:spPr>
       </p:pic>
+      <p:sp>
+        <p:nvSpPr>
+          <p:cNvPr id="4" name="Rectangle 3"/>
+          <p:cNvSpPr/>
+          <p:nvPr/>
+        </p:nvSpPr>
+        <p:spPr>
+          <a:xfrm>
+            <a:off x="6228843" y="6498584"/>
+            <a:ext cx="2915157" cy="369332"/>
+          </a:xfrm>
+          <a:prstGeom prst="rect">
+            <a:avLst/>
+          </a:prstGeom>
+        </p:spPr>
+        <p:txBody>
+          <a:bodyPr wrap="none">
+            <a:spAutoFit/>
+          </a:bodyPr>
+          <a:lstStyle/>
+          <a:p>
+            <a:r>
+              <a:rPr lang="fr-FR" dirty="0">
+                <a:ln w="0"/>
+                <a:solidFill>
+                  <a:schemeClr val="accent1"/>
+                </a:solidFill>
+                <a:effectLst>
+                  <a:outerShdw blurRad="38100" dist="25400" dir="5400000" algn="ctr" rotWithShape="0">
+                    <a:srgbClr val="6E747A">
+                      <a:alpha val="43000"/>
+                    </a:srgbClr>
+                  </a:outerShdw>
+                </a:effectLst>
+              </a:rPr>
+              <a:t>http://www.buissondiaz.com</a:t>
+            </a:r>
+            <a:endParaRPr lang="fr-FR" dirty="0">
+              <a:ln w="0"/>
+              <a:solidFill>
+                <a:schemeClr val="accent1"/>
+              </a:solidFill>
+              <a:effectLst>
+                <a:outerShdw blurRad="38100" dist="25400" dir="5400000" algn="ctr" rotWithShape="0">
+                  <a:srgbClr val="6E747A">
+                    <a:alpha val="43000"/>
+                  </a:srgbClr>
+                </a:outerShdw>
+              </a:effectLst>
+            </a:endParaRPr>
+          </a:p>
+        </p:txBody>
+      </p:sp>
     </p:spTree>
     <p:extLst>
       <p:ext uri="{BB962C8B-B14F-4D97-AF65-F5344CB8AC3E}">
@@ -6649,7 +7960,7 @@
   <p:timing>
     <p:tnLst>
       <p:par>
-        <p:cTn xmlns:p14="http://schemas.microsoft.com/office/powerpoint/2010/main" id="1" dur="indefinite" restart="never" nodeType="tmRoot"/>
+        <p:cTn id="1" dur="indefinite" restart="never" nodeType="tmRoot"/>
       </p:par>
     </p:tnLst>
   </p:timing>
@@ -6786,6 +8097,59 @@
           </a:p>
         </p:txBody>
       </p:sp>
+      <p:sp>
+        <p:nvSpPr>
+          <p:cNvPr id="4" name="Rectangle 3"/>
+          <p:cNvSpPr/>
+          <p:nvPr/>
+        </p:nvSpPr>
+        <p:spPr>
+          <a:xfrm>
+            <a:off x="6228843" y="6462841"/>
+            <a:ext cx="2915157" cy="369332"/>
+          </a:xfrm>
+          <a:prstGeom prst="rect">
+            <a:avLst/>
+          </a:prstGeom>
+        </p:spPr>
+        <p:txBody>
+          <a:bodyPr wrap="none">
+            <a:spAutoFit/>
+          </a:bodyPr>
+          <a:lstStyle/>
+          <a:p>
+            <a:r>
+              <a:rPr lang="fr-FR" dirty="0">
+                <a:ln w="0"/>
+                <a:solidFill>
+                  <a:schemeClr val="accent1"/>
+                </a:solidFill>
+                <a:effectLst>
+                  <a:outerShdw blurRad="38100" dist="25400" dir="5400000" algn="ctr" rotWithShape="0">
+                    <a:srgbClr val="6E747A">
+                      <a:alpha val="43000"/>
+                    </a:srgbClr>
+                  </a:outerShdw>
+                </a:effectLst>
+              </a:rPr>
+              <a:t>http://www.buissondiaz.com</a:t>
+            </a:r>
+            <a:endParaRPr lang="fr-FR" dirty="0">
+              <a:ln w="0"/>
+              <a:solidFill>
+                <a:schemeClr val="accent1"/>
+              </a:solidFill>
+              <a:effectLst>
+                <a:outerShdw blurRad="38100" dist="25400" dir="5400000" algn="ctr" rotWithShape="0">
+                  <a:srgbClr val="6E747A">
+                    <a:alpha val="43000"/>
+                  </a:srgbClr>
+                </a:outerShdw>
+              </a:effectLst>
+            </a:endParaRPr>
+          </a:p>
+        </p:txBody>
+      </p:sp>
     </p:spTree>
     <p:extLst>
       <p:ext uri="{BB962C8B-B14F-4D97-AF65-F5344CB8AC3E}">
@@ -6799,7 +8163,7 @@
   <p:timing>
     <p:tnLst>
       <p:par>
-        <p:cTn xmlns:p14="http://schemas.microsoft.com/office/powerpoint/2010/main" id="1" dur="indefinite" restart="never" nodeType="tmRoot"/>
+        <p:cTn id="1" dur="indefinite" restart="never" nodeType="tmRoot"/>
       </p:par>
     </p:tnLst>
   </p:timing>
@@ -6876,6 +8240,59 @@
           </a:prstGeom>
         </p:spPr>
       </p:pic>
+      <p:sp>
+        <p:nvSpPr>
+          <p:cNvPr id="3" name="Rectangle 2"/>
+          <p:cNvSpPr/>
+          <p:nvPr/>
+        </p:nvSpPr>
+        <p:spPr>
+          <a:xfrm>
+            <a:off x="6228843" y="6488668"/>
+            <a:ext cx="2915157" cy="369332"/>
+          </a:xfrm>
+          <a:prstGeom prst="rect">
+            <a:avLst/>
+          </a:prstGeom>
+        </p:spPr>
+        <p:txBody>
+          <a:bodyPr wrap="none">
+            <a:spAutoFit/>
+          </a:bodyPr>
+          <a:lstStyle/>
+          <a:p>
+            <a:r>
+              <a:rPr lang="fr-FR" dirty="0">
+                <a:ln w="0"/>
+                <a:solidFill>
+                  <a:schemeClr val="accent1"/>
+                </a:solidFill>
+                <a:effectLst>
+                  <a:outerShdw blurRad="38100" dist="25400" dir="5400000" algn="ctr" rotWithShape="0">
+                    <a:srgbClr val="6E747A">
+                      <a:alpha val="43000"/>
+                    </a:srgbClr>
+                  </a:outerShdw>
+                </a:effectLst>
+              </a:rPr>
+              <a:t>http://www.buissondiaz.com</a:t>
+            </a:r>
+            <a:endParaRPr lang="fr-FR" dirty="0">
+              <a:ln w="0"/>
+              <a:solidFill>
+                <a:schemeClr val="accent1"/>
+              </a:solidFill>
+              <a:effectLst>
+                <a:outerShdw blurRad="38100" dist="25400" dir="5400000" algn="ctr" rotWithShape="0">
+                  <a:srgbClr val="6E747A">
+                    <a:alpha val="43000"/>
+                  </a:srgbClr>
+                </a:outerShdw>
+              </a:effectLst>
+            </a:endParaRPr>
+          </a:p>
+        </p:txBody>
+      </p:sp>
     </p:spTree>
     <p:extLst>
       <p:ext uri="{BB962C8B-B14F-4D97-AF65-F5344CB8AC3E}">
@@ -6889,7 +8306,7 @@
   <p:timing>
     <p:tnLst>
       <p:par>
-        <p:cTn xmlns:p14="http://schemas.microsoft.com/office/powerpoint/2010/main" id="1" dur="indefinite" restart="never" nodeType="tmRoot"/>
+        <p:cTn id="1" dur="indefinite" restart="never" nodeType="tmRoot"/>
       </p:par>
     </p:tnLst>
   </p:timing>
@@ -7017,6 +8434,59 @@
           </a:prstGeom>
         </p:spPr>
       </p:pic>
+      <p:sp>
+        <p:nvSpPr>
+          <p:cNvPr id="5" name="Rectangle 4"/>
+          <p:cNvSpPr/>
+          <p:nvPr/>
+        </p:nvSpPr>
+        <p:spPr>
+          <a:xfrm>
+            <a:off x="6228843" y="6488668"/>
+            <a:ext cx="2915157" cy="369332"/>
+          </a:xfrm>
+          <a:prstGeom prst="rect">
+            <a:avLst/>
+          </a:prstGeom>
+        </p:spPr>
+        <p:txBody>
+          <a:bodyPr wrap="none">
+            <a:spAutoFit/>
+          </a:bodyPr>
+          <a:lstStyle/>
+          <a:p>
+            <a:r>
+              <a:rPr lang="fr-FR" dirty="0">
+                <a:ln w="0"/>
+                <a:solidFill>
+                  <a:schemeClr val="accent1"/>
+                </a:solidFill>
+                <a:effectLst>
+                  <a:outerShdw blurRad="38100" dist="25400" dir="5400000" algn="ctr" rotWithShape="0">
+                    <a:srgbClr val="6E747A">
+                      <a:alpha val="43000"/>
+                    </a:srgbClr>
+                  </a:outerShdw>
+                </a:effectLst>
+              </a:rPr>
+              <a:t>http://www.buissondiaz.com</a:t>
+            </a:r>
+            <a:endParaRPr lang="fr-FR" dirty="0">
+              <a:ln w="0"/>
+              <a:solidFill>
+                <a:schemeClr val="accent1"/>
+              </a:solidFill>
+              <a:effectLst>
+                <a:outerShdw blurRad="38100" dist="25400" dir="5400000" algn="ctr" rotWithShape="0">
+                  <a:srgbClr val="6E747A">
+                    <a:alpha val="43000"/>
+                  </a:srgbClr>
+                </a:outerShdw>
+              </a:effectLst>
+            </a:endParaRPr>
+          </a:p>
+        </p:txBody>
+      </p:sp>
     </p:spTree>
     <p:extLst>
       <p:ext uri="{BB962C8B-B14F-4D97-AF65-F5344CB8AC3E}">
@@ -7030,7 +8500,7 @@
   <p:timing>
     <p:tnLst>
       <p:par>
-        <p:cTn xmlns:p14="http://schemas.microsoft.com/office/powerpoint/2010/main" id="1" dur="indefinite" restart="never" nodeType="tmRoot"/>
+        <p:cTn id="1" dur="indefinite" restart="never" nodeType="tmRoot"/>
       </p:par>
     </p:tnLst>
   </p:timing>
